--- a/Slides/2023-ML@MGI-Week05-imp.pptx
+++ b/Slides/2023-ML@MGI-Week05-imp.pptx
@@ -8325,7 +8325,7 @@
               <a:t> </a:t>
             </a:r>
             <a:r>
-              <a:rPr lang="en-US" altLang="zh-TW" sz="4400" i="1">
+              <a:rPr lang="en-US" altLang="zh-TW" sz="4400" i="1" dirty="0">
                 <a:effectLst>
                   <a:outerShdw blurRad="38100" dist="38100" dir="2700000" algn="tl">
                     <a:srgbClr val="000000">
@@ -8932,7 +8932,7 @@
           <a:bodyPr/>
           <a:lstStyle/>
           <a:p>
-            <a:endParaRPr lang="zh-TW" altLang="en-US"/>
+            <a:endParaRPr lang="zh-TW" altLang="en-US" dirty="0"/>
           </a:p>
         </p:txBody>
       </p:sp>
@@ -8990,8 +8990,8 @@
         </p:nvSpPr>
         <p:spPr>
           <a:xfrm>
-            <a:off x="2592522" y="2351683"/>
-            <a:ext cx="3734319" cy="450668"/>
+            <a:off x="2592522" y="1415143"/>
+            <a:ext cx="3734319" cy="1387208"/>
           </a:xfrm>
           <a:prstGeom prst="roundRect">
             <a:avLst/>
@@ -9024,6 +9024,66 @@
           <a:p>
             <a:pPr algn="ctr"/>
             <a:endParaRPr lang="zh-TW" altLang="en-US"/>
+          </a:p>
+        </p:txBody>
+      </p:sp>
+      <p:sp>
+        <p:nvSpPr>
+          <p:cNvPr id="7" name="文字方塊 6">
+            <a:extLst>
+              <a:ext uri="{FF2B5EF4-FFF2-40B4-BE49-F238E27FC236}">
+                <a16:creationId xmlns:a16="http://schemas.microsoft.com/office/drawing/2014/main" id="{5DF3F6EE-7FD4-EE3F-76A1-3E9E7F7332B0}"/>
+              </a:ext>
+            </a:extLst>
+          </p:cNvPr>
+          <p:cNvSpPr txBox="1"/>
+          <p:nvPr/>
+        </p:nvSpPr>
+        <p:spPr>
+          <a:xfrm>
+            <a:off x="6612238" y="2433019"/>
+            <a:ext cx="4033990" cy="369332"/>
+          </a:xfrm>
+          <a:prstGeom prst="rect">
+            <a:avLst/>
+          </a:prstGeom>
+          <a:noFill/>
+        </p:spPr>
+        <p:txBody>
+          <a:bodyPr wrap="square">
+            <a:spAutoFit/>
+          </a:bodyPr>
+          <a:lstStyle/>
+          <a:p>
+            <a:r>
+              <a:rPr lang="zh-TW" altLang="en-US" dirty="0">
+                <a:solidFill>
+                  <a:srgbClr val="FF0000"/>
+                </a:solidFill>
+              </a:rPr>
+              <a:t>修改為自己的</a:t>
+            </a:r>
+            <a:r>
+              <a:rPr lang="en-US" altLang="zh-TW" dirty="0" err="1">
+                <a:solidFill>
+                  <a:srgbClr val="FF0000"/>
+                </a:solidFill>
+              </a:rPr>
+              <a:t>user_name</a:t>
+            </a:r>
+            <a:r>
+              <a:rPr lang="en-US" altLang="zh-TW" dirty="0">
+                <a:solidFill>
+                  <a:srgbClr val="FF0000"/>
+                </a:solidFill>
+              </a:rPr>
+              <a:t> and email </a:t>
+            </a:r>
+            <a:endParaRPr lang="zh-TW" altLang="en-US" dirty="0">
+              <a:solidFill>
+                <a:srgbClr val="FF0000"/>
+              </a:solidFill>
+            </a:endParaRPr>
           </a:p>
         </p:txBody>
       </p:sp>
